--- a/FrontEnd/TypeScriptSlides/3_TypeScriptBasics.pptx
+++ b/FrontEnd/TypeScriptSlides/3_TypeScriptBasics.pptx
@@ -2,26 +2,26 @@
 <file path=ppt/presentation.xml><?xml version="1.0" encoding="utf-8"?>
 <p:presentation xmlns:a="http://schemas.openxmlformats.org/drawingml/2006/main" xmlns:r="http://schemas.openxmlformats.org/officeDocument/2006/relationships" xmlns:p="http://schemas.openxmlformats.org/presentationml/2006/main" saveSubsetFonts="1">
   <p:sldMasterIdLst>
-    <p:sldMasterId id="2147483684" r:id="rId1"/>
+    <p:sldMasterId id="2147483684" r:id="rId4"/>
   </p:sldMasterIdLst>
   <p:notesMasterIdLst>
-    <p:notesMasterId r:id="rId16"/>
+    <p:notesMasterId r:id="rId19"/>
   </p:notesMasterIdLst>
   <p:sldIdLst>
-    <p:sldId id="256" r:id="rId2"/>
-    <p:sldId id="257" r:id="rId3"/>
-    <p:sldId id="258" r:id="rId4"/>
-    <p:sldId id="259" r:id="rId5"/>
-    <p:sldId id="261" r:id="rId6"/>
-    <p:sldId id="260" r:id="rId7"/>
-    <p:sldId id="262" r:id="rId8"/>
-    <p:sldId id="263" r:id="rId9"/>
-    <p:sldId id="264" r:id="rId10"/>
-    <p:sldId id="266" r:id="rId11"/>
-    <p:sldId id="265" r:id="rId12"/>
-    <p:sldId id="267" r:id="rId13"/>
-    <p:sldId id="268" r:id="rId14"/>
-    <p:sldId id="269" r:id="rId15"/>
+    <p:sldId id="256" r:id="rId5"/>
+    <p:sldId id="257" r:id="rId6"/>
+    <p:sldId id="258" r:id="rId7"/>
+    <p:sldId id="259" r:id="rId8"/>
+    <p:sldId id="261" r:id="rId9"/>
+    <p:sldId id="260" r:id="rId10"/>
+    <p:sldId id="262" r:id="rId11"/>
+    <p:sldId id="263" r:id="rId12"/>
+    <p:sldId id="264" r:id="rId13"/>
+    <p:sldId id="266" r:id="rId14"/>
+    <p:sldId id="265" r:id="rId15"/>
+    <p:sldId id="267" r:id="rId16"/>
+    <p:sldId id="268" r:id="rId17"/>
+    <p:sldId id="269" r:id="rId18"/>
   </p:sldIdLst>
   <p:sldSz cx="12192000" cy="6858000"/>
   <p:notesSz cx="6858000" cy="9144000"/>
@@ -126,14 +126,6 @@
     </p:ext>
   </p:extLst>
 </p:presentation>
-</file>
-
-<file path=ppt/revisionInfo.xml><?xml version="1.0" encoding="utf-8"?>
-<p1510:revInfo xmlns:a="http://schemas.openxmlformats.org/drawingml/2006/main" xmlns:r="http://schemas.openxmlformats.org/officeDocument/2006/relationships" xmlns:p1510="http://schemas.microsoft.com/office/powerpoint/2015/10/main">
-  <p1510:revLst>
-    <p1510:client id="{B88E8FC8-96DC-0DAB-C61D-0A135951F334}" v="2844" dt="2024-07-26T20:33:27.159"/>
-  </p1510:revLst>
-</p1510:revInfo>
 </file>
 
 <file path=ppt/changesInfos/changesInfo1.xml><?xml version="1.0" encoding="utf-8"?>
@@ -925,7 +917,7 @@
           </a:lstStyle>
           <a:p>
             <a:fld id="{9A9173A6-1B99-4378-9E7B-02688BB24127}" type="datetimeFigureOut">
-              <a:t>7/26/2024</a:t>
+              <a:t>8/12/2024</a:t>
             </a:fld>
             <a:endParaRPr lang="en-US"/>
           </a:p>
@@ -1523,7 +1515,7 @@
             <a:fld id="{B61BEF0D-F0BB-DE4B-95CE-6DB70DBA9567}" type="datetimeFigureOut">
               <a:rPr lang="en-US" dirty="0"/>
               <a:pPr/>
-              <a:t>7/26/2024</a:t>
+              <a:t>8/12/2024</a:t>
             </a:fld>
             <a:endParaRPr lang="en-US" dirty="0"/>
           </a:p>
@@ -1785,7 +1777,7 @@
             <a:fld id="{B61BEF0D-F0BB-DE4B-95CE-6DB70DBA9567}" type="datetimeFigureOut">
               <a:rPr lang="en-US" dirty="0"/>
               <a:pPr/>
-              <a:t>7/26/2024</a:t>
+              <a:t>8/12/2024</a:t>
             </a:fld>
             <a:endParaRPr lang="en-US" dirty="0"/>
           </a:p>
@@ -2020,7 +2012,7 @@
             <a:fld id="{B61BEF0D-F0BB-DE4B-95CE-6DB70DBA9567}" type="datetimeFigureOut">
               <a:rPr lang="en-US" dirty="0"/>
               <a:pPr/>
-              <a:t>7/26/2024</a:t>
+              <a:t>8/12/2024</a:t>
             </a:fld>
             <a:endParaRPr lang="en-US" dirty="0"/>
           </a:p>
@@ -2260,7 +2252,7 @@
             <a:fld id="{B61BEF0D-F0BB-DE4B-95CE-6DB70DBA9567}" type="datetimeFigureOut">
               <a:rPr lang="en-US" dirty="0"/>
               <a:pPr/>
-              <a:t>7/26/2024</a:t>
+              <a:t>8/12/2024</a:t>
             </a:fld>
             <a:endParaRPr lang="en-US" dirty="0"/>
           </a:p>
@@ -2568,7 +2560,7 @@
             <a:fld id="{B61BEF0D-F0BB-DE4B-95CE-6DB70DBA9567}" type="datetimeFigureOut">
               <a:rPr lang="en-US" dirty="0"/>
               <a:pPr/>
-              <a:t>7/26/2024</a:t>
+              <a:t>8/12/2024</a:t>
             </a:fld>
             <a:endParaRPr lang="en-US" dirty="0"/>
           </a:p>
@@ -2869,7 +2861,7 @@
             <a:fld id="{B61BEF0D-F0BB-DE4B-95CE-6DB70DBA9567}" type="datetimeFigureOut">
               <a:rPr lang="en-US" dirty="0"/>
               <a:pPr/>
-              <a:t>7/26/2024</a:t>
+              <a:t>8/12/2024</a:t>
             </a:fld>
             <a:endParaRPr lang="en-US" dirty="0"/>
           </a:p>
@@ -3290,7 +3282,7 @@
             <a:fld id="{B61BEF0D-F0BB-DE4B-95CE-6DB70DBA9567}" type="datetimeFigureOut">
               <a:rPr lang="en-US" dirty="0"/>
               <a:pPr/>
-              <a:t>7/26/2024</a:t>
+              <a:t>8/12/2024</a:t>
             </a:fld>
             <a:endParaRPr lang="en-US" dirty="0"/>
           </a:p>
@@ -3387,7 +3379,7 @@
             <a:fld id="{B61BEF0D-F0BB-DE4B-95CE-6DB70DBA9567}" type="datetimeFigureOut">
               <a:rPr lang="en-US" dirty="0"/>
               <a:pPr/>
-              <a:t>7/26/2024</a:t>
+              <a:t>8/12/2024</a:t>
             </a:fld>
             <a:endParaRPr lang="en-US" dirty="0"/>
           </a:p>
@@ -3550,7 +3542,7 @@
             <a:fld id="{B61BEF0D-F0BB-DE4B-95CE-6DB70DBA9567}" type="datetimeFigureOut">
               <a:rPr lang="en-US" dirty="0"/>
               <a:pPr/>
-              <a:t>7/26/2024</a:t>
+              <a:t>8/12/2024</a:t>
             </a:fld>
             <a:endParaRPr lang="en-US" dirty="0"/>
           </a:p>
@@ -3928,7 +3920,7 @@
             <a:fld id="{B61BEF0D-F0BB-DE4B-95CE-6DB70DBA9567}" type="datetimeFigureOut">
               <a:rPr lang="en-US" dirty="0"/>
               <a:pPr/>
-              <a:t>7/26/2024</a:t>
+              <a:t>8/12/2024</a:t>
             </a:fld>
             <a:endParaRPr lang="en-US" dirty="0"/>
           </a:p>
@@ -4214,7 +4206,7 @@
             <a:fld id="{B61BEF0D-F0BB-DE4B-95CE-6DB70DBA9567}" type="datetimeFigureOut">
               <a:rPr lang="en-US" dirty="0"/>
               <a:pPr/>
-              <a:t>7/26/2024</a:t>
+              <a:t>8/12/2024</a:t>
             </a:fld>
             <a:endParaRPr lang="en-US" dirty="0"/>
           </a:p>
@@ -4453,7 +4445,7 @@
             <a:fld id="{B61BEF0D-F0BB-DE4B-95CE-6DB70DBA9567}" type="datetimeFigureOut">
               <a:rPr lang="en-US" dirty="0"/>
               <a:pPr/>
-              <a:t>7/26/2024</a:t>
+              <a:t>8/12/2024</a:t>
             </a:fld>
             <a:endParaRPr lang="en-US" dirty="0"/>
           </a:p>
@@ -8171,6 +8163,21 @@
 </file>
 
 <file path=customXml/item1.xml><?xml version="1.0" encoding="utf-8"?>
+<p:properties xmlns:p="http://schemas.microsoft.com/office/2006/metadata/properties" xmlns:xsi="http://www.w3.org/2001/XMLSchema-instance" xmlns:pc="http://schemas.microsoft.com/office/infopath/2007/PartnerControls">
+  <documentManagement/>
+</p:properties>
+</file>
+
+<file path=customXml/item2.xml><?xml version="1.0" encoding="utf-8"?>
+<?mso-contentType ?>
+<FormTemplates xmlns="http://schemas.microsoft.com/sharepoint/v3/contenttype/forms">
+  <Display>DocumentLibraryForm</Display>
+  <Edit>DocumentLibraryForm</Edit>
+  <New>DocumentLibraryForm</New>
+</FormTemplates>
+</file>
+
+<file path=customXml/item3.xml><?xml version="1.0" encoding="utf-8"?>
 <ct:contentTypeSchema xmlns:ct="http://schemas.microsoft.com/office/2006/metadata/contentType" xmlns:ma="http://schemas.microsoft.com/office/2006/metadata/properties/metaAttributes" ct:_="" ma:_="" ma:contentTypeName="Document" ma:contentTypeID="0x010100A9440B18BBE71B4AA5DB97E225A1673E" ma:contentTypeVersion="4" ma:contentTypeDescription="Create a new document." ma:contentTypeScope="" ma:versionID="2c8bc9cd5336c58f2d426a3a308cb3b5">
   <xsd:schema xmlns:xsd="http://www.w3.org/2001/XMLSchema" xmlns:xs="http://www.w3.org/2001/XMLSchema" xmlns:p="http://schemas.microsoft.com/office/2006/metadata/properties" xmlns:ns2="c4e75a01-3f99-42a4-b38c-013e22ff34a7" targetNamespace="http://schemas.microsoft.com/office/2006/metadata/properties" ma:root="true" ma:fieldsID="b956668bd177116216fbbc4c2a6786cf" ns2:_="">
     <xsd:import namespace="c4e75a01-3f99-42a4-b38c-013e22ff34a7"/>
@@ -8314,29 +8321,37 @@
 </ct:contentTypeSchema>
 </file>
 
-<file path=customXml/item2.xml><?xml version="1.0" encoding="utf-8"?>
-<?mso-contentType ?>
-<FormTemplates xmlns="http://schemas.microsoft.com/sharepoint/v3/contenttype/forms">
-  <Display>DocumentLibraryForm</Display>
-  <Edit>DocumentLibraryForm</Edit>
-  <New>DocumentLibraryForm</New>
-</FormTemplates>
-</file>
-
-<file path=customXml/item3.xml><?xml version="1.0" encoding="utf-8"?>
-<p:properties xmlns:p="http://schemas.microsoft.com/office/2006/metadata/properties" xmlns:xsi="http://www.w3.org/2001/XMLSchema-instance" xmlns:pc="http://schemas.microsoft.com/office/infopath/2007/PartnerControls">
-  <documentManagement/>
-</p:properties>
-</file>
-
 <file path=customXml/itemProps1.xml><?xml version="1.0" encoding="utf-8"?>
-<ds:datastoreItem xmlns:ds="http://schemas.openxmlformats.org/officeDocument/2006/customXml" ds:itemID="{BC1D836C-D18A-4D63-8427-85E6E73663CD}"/>
+<ds:datastoreItem xmlns:ds="http://schemas.openxmlformats.org/officeDocument/2006/customXml" ds:itemID="{7ECF72F1-DA5C-4057-9EB0-9819FF0AD5C6}">
+  <ds:schemaRefs>
+    <ds:schemaRef ds:uri="http://schemas.microsoft.com/office/2006/metadata/properties"/>
+    <ds:schemaRef ds:uri="http://schemas.microsoft.com/office/infopath/2007/PartnerControls"/>
+  </ds:schemaRefs>
+</ds:datastoreItem>
 </file>
 
 <file path=customXml/itemProps2.xml><?xml version="1.0" encoding="utf-8"?>
-<ds:datastoreItem xmlns:ds="http://schemas.openxmlformats.org/officeDocument/2006/customXml" ds:itemID="{CD6FB75F-B8B5-47E8-8168-50B21AFDFA56}"/>
+<ds:datastoreItem xmlns:ds="http://schemas.openxmlformats.org/officeDocument/2006/customXml" ds:itemID="{CD6FB75F-B8B5-47E8-8168-50B21AFDFA56}">
+  <ds:schemaRefs>
+    <ds:schemaRef ds:uri="http://schemas.microsoft.com/sharepoint/v3/contenttype/forms"/>
+  </ds:schemaRefs>
+</ds:datastoreItem>
 </file>
 
 <file path=customXml/itemProps3.xml><?xml version="1.0" encoding="utf-8"?>
-<ds:datastoreItem xmlns:ds="http://schemas.openxmlformats.org/officeDocument/2006/customXml" ds:itemID="{7ECF72F1-DA5C-4057-9EB0-9819FF0AD5C6}"/>
+<ds:datastoreItem xmlns:ds="http://schemas.openxmlformats.org/officeDocument/2006/customXml" ds:itemID="{BC1D836C-D18A-4D63-8427-85E6E73663CD}">
+  <ds:schemaRefs>
+    <ds:schemaRef ds:uri="http://schemas.microsoft.com/office/2006/metadata/contentType"/>
+    <ds:schemaRef ds:uri="http://schemas.microsoft.com/office/2006/metadata/properties/metaAttributes"/>
+    <ds:schemaRef ds:uri="http://www.w3.org/2001/XMLSchema"/>
+    <ds:schemaRef ds:uri="http://schemas.microsoft.com/office/2006/metadata/properties"/>
+    <ds:schemaRef ds:uri="c4e75a01-3f99-42a4-b38c-013e22ff34a7"/>
+    <ds:schemaRef ds:uri="http://schemas.microsoft.com/office/2006/documentManagement/types"/>
+    <ds:schemaRef ds:uri="http://schemas.microsoft.com/office/infopath/2007/PartnerControls"/>
+    <ds:schemaRef ds:uri="http://schemas.openxmlformats.org/package/2006/metadata/core-properties"/>
+    <ds:schemaRef ds:uri="http://purl.org/dc/elements/1.1/"/>
+    <ds:schemaRef ds:uri="http://purl.org/dc/terms/"/>
+    <ds:schemaRef ds:uri="http://schemas.microsoft.com/internal/obd"/>
+  </ds:schemaRefs>
+</ds:datastoreItem>
 </file>